--- a/PP_voorstel.pptx
+++ b/PP_voorstel.pptx
@@ -7737,8 +7737,16 @@
               <a:buChar char="•"/>
             </a:pPr>
             <a:r>
-              <a:rPr lang="en-US" sz="2000"/>
-              <a:t>Alcohol detectie </a:t>
+              <a:rPr lang="en-US" sz="2000" dirty="0"/>
+              <a:t>Alcohol </a:t>
+            </a:r>
+            <a:r>
+              <a:rPr lang="en-US" sz="2000" dirty="0" err="1"/>
+              <a:t>detectie</a:t>
+            </a:r>
+            <a:r>
+              <a:rPr lang="en-US" sz="2000" dirty="0"/>
+              <a:t> </a:t>
             </a:r>
           </a:p>
           <a:p>
@@ -7758,7 +7766,7 @@
               <a:buFont typeface="Arial"/>
               <a:buChar char="•"/>
             </a:pPr>
-            <a:endParaRPr lang="en-US" sz="2000"/>
+            <a:endParaRPr lang="en-US" sz="2000" dirty="0"/>
           </a:p>
           <a:p>
             <a:pPr>
@@ -7778,8 +7786,28 @@
               <a:buChar char="•"/>
             </a:pPr>
             <a:r>
-              <a:rPr lang="en-US" sz="2000"/>
-              <a:t>Weergaven op 4 x 7 segment display</a:t>
+              <a:rPr lang="en-US" sz="2000" dirty="0" err="1"/>
+              <a:t>Promile</a:t>
+            </a:r>
+            <a:r>
+              <a:rPr lang="en-US" sz="2000" dirty="0"/>
+              <a:t> </a:t>
+            </a:r>
+            <a:r>
+              <a:rPr lang="en-US" sz="2000" dirty="0" err="1"/>
+              <a:t>wordt</a:t>
+            </a:r>
+            <a:r>
+              <a:rPr lang="en-US" sz="2000" dirty="0"/>
+              <a:t> </a:t>
+            </a:r>
+            <a:r>
+              <a:rPr lang="en-US" sz="2000" dirty="0" err="1"/>
+              <a:t>weergegeven</a:t>
+            </a:r>
+            <a:r>
+              <a:rPr lang="en-US" sz="2000" dirty="0"/>
+              <a:t> op 4 x 7 segment display</a:t>
             </a:r>
           </a:p>
           <a:p>
@@ -7799,7 +7827,7 @@
               <a:buFont typeface="Arial"/>
               <a:buChar char="•"/>
             </a:pPr>
-            <a:endParaRPr lang="en-US" sz="2000"/>
+            <a:endParaRPr lang="en-US" sz="2000" dirty="0"/>
           </a:p>
           <a:p>
             <a:pPr>
@@ -7819,8 +7847,36 @@
               <a:buChar char="•"/>
             </a:pPr>
             <a:r>
-              <a:rPr lang="en-US" sz="2000"/>
-              <a:t>Schaal van nuchter &lt;-&gt; dronken aangetoond door ledjes </a:t>
+              <a:rPr lang="en-US" sz="2000" dirty="0" err="1"/>
+              <a:t>Schaal</a:t>
+            </a:r>
+            <a:r>
+              <a:rPr lang="en-US" sz="2000" dirty="0"/>
+              <a:t> van </a:t>
+            </a:r>
+            <a:r>
+              <a:rPr lang="en-US" sz="2000" dirty="0" err="1"/>
+              <a:t>nuchter</a:t>
+            </a:r>
+            <a:r>
+              <a:rPr lang="en-US" sz="2000" dirty="0"/>
+              <a:t> &lt;-&gt; </a:t>
+            </a:r>
+            <a:r>
+              <a:rPr lang="en-US" sz="2000" dirty="0" err="1"/>
+              <a:t>dronken</a:t>
+            </a:r>
+            <a:r>
+              <a:rPr lang="en-US" sz="2000" dirty="0"/>
+              <a:t> </a:t>
+            </a:r>
+            <a:r>
+              <a:rPr lang="en-US" sz="2000" dirty="0" err="1"/>
+              <a:t>aangetoond</a:t>
+            </a:r>
+            <a:r>
+              <a:rPr lang="en-US" sz="2000" dirty="0"/>
+              <a:t> door ledjes </a:t>
             </a:r>
           </a:p>
         </p:txBody>
@@ -7947,7 +8003,7 @@
                 <a:latin typeface="Arial" panose="020B0604020202020204" pitchFamily="34" charset="0"/>
                 <a:cs typeface="Arial" panose="020B0604020202020204" pitchFamily="34" charset="0"/>
               </a:rPr>
-              <a:t>De led strip en 7-segment display worden aangestuurd door de output van de MQ-3 </a:t>
+              <a:t>De leds en 7-segment display worden aangestuurd door de output van de MQ-3 </a:t>
             </a:r>
           </a:p>
         </p:txBody>

--- a/PP_voorstel.pptx
+++ b/PP_voorstel.pptx
@@ -9,7 +9,6 @@
     <p:sldId id="257" r:id="rId3"/>
     <p:sldId id="258" r:id="rId4"/>
     <p:sldId id="260" r:id="rId5"/>
-    <p:sldId id="259" r:id="rId6"/>
   </p:sldIdLst>
   <p:sldSz cx="12192000" cy="6858000"/>
   <p:notesSz cx="6858000" cy="9144000"/>
@@ -619,7 +618,7 @@
             <a:fld id="{8256C2ED-54A4-480D-B5C8-65C0D62359B9}" type="datetime2">
               <a:rPr lang="en-US" smtClean="0"/>
               <a:pPr/>
-              <a:t>Tuesday, February 22, 2022</a:t>
+              <a:t>Tuesday, March 1, 2022</a:t>
             </a:fld>
             <a:endParaRPr lang="en-US" dirty="0"/>
           </a:p>
@@ -922,7 +921,7 @@
             <a:fld id="{8256C2ED-54A4-480D-B5C8-65C0D62359B9}" type="datetime2">
               <a:rPr lang="en-US" smtClean="0"/>
               <a:pPr/>
-              <a:t>Tuesday, February 22, 2022</a:t>
+              <a:t>Tuesday, March 1, 2022</a:t>
             </a:fld>
             <a:endParaRPr lang="en-US" dirty="0"/>
           </a:p>
@@ -1177,7 +1176,7 @@
             <a:fld id="{8256C2ED-54A4-480D-B5C8-65C0D62359B9}" type="datetime2">
               <a:rPr lang="en-US" smtClean="0"/>
               <a:pPr/>
-              <a:t>Tuesday, February 22, 2022</a:t>
+              <a:t>Tuesday, March 1, 2022</a:t>
             </a:fld>
             <a:endParaRPr lang="en-US" dirty="0"/>
           </a:p>
@@ -1724,7 +1723,7 @@
             <a:fld id="{8256C2ED-54A4-480D-B5C8-65C0D62359B9}" type="datetime2">
               <a:rPr lang="en-US" smtClean="0"/>
               <a:pPr/>
-              <a:t>Tuesday, February 22, 2022</a:t>
+              <a:t>Tuesday, March 1, 2022</a:t>
             </a:fld>
             <a:endParaRPr lang="en-US" dirty="0"/>
           </a:p>
@@ -1979,7 +1978,7 @@
             <a:fld id="{8256C2ED-54A4-480D-B5C8-65C0D62359B9}" type="datetime2">
               <a:rPr lang="en-US" smtClean="0"/>
               <a:pPr/>
-              <a:t>Tuesday, February 22, 2022</a:t>
+              <a:t>Tuesday, March 1, 2022</a:t>
             </a:fld>
             <a:endParaRPr lang="en-US" dirty="0"/>
           </a:p>
@@ -2518,7 +2517,7 @@
             <a:fld id="{8256C2ED-54A4-480D-B5C8-65C0D62359B9}" type="datetime2">
               <a:rPr lang="en-US" smtClean="0"/>
               <a:pPr/>
-              <a:t>Tuesday, February 22, 2022</a:t>
+              <a:t>Tuesday, March 1, 2022</a:t>
             </a:fld>
             <a:endParaRPr lang="en-US" dirty="0"/>
           </a:p>
@@ -2822,7 +2821,7 @@
             <a:fld id="{8256C2ED-54A4-480D-B5C8-65C0D62359B9}" type="datetime2">
               <a:rPr lang="en-US" smtClean="0"/>
               <a:pPr/>
-              <a:t>Tuesday, February 22, 2022</a:t>
+              <a:t>Tuesday, March 1, 2022</a:t>
             </a:fld>
             <a:endParaRPr lang="en-US" dirty="0"/>
           </a:p>
@@ -3003,7 +3002,7 @@
             <a:fld id="{8256C2ED-54A4-480D-B5C8-65C0D62359B9}" type="datetime2">
               <a:rPr lang="en-US" smtClean="0"/>
               <a:pPr/>
-              <a:t>Tuesday, February 22, 2022</a:t>
+              <a:t>Tuesday, March 1, 2022</a:t>
             </a:fld>
             <a:endParaRPr lang="en-US" dirty="0"/>
           </a:p>
@@ -3190,7 +3189,7 @@
             <a:fld id="{8256C2ED-54A4-480D-B5C8-65C0D62359B9}" type="datetime2">
               <a:rPr lang="en-US" smtClean="0"/>
               <a:pPr/>
-              <a:t>Tuesday, February 22, 2022</a:t>
+              <a:t>Tuesday, March 1, 2022</a:t>
             </a:fld>
             <a:endParaRPr lang="en-US" dirty="0"/>
           </a:p>
@@ -3367,7 +3366,7 @@
             <a:fld id="{8256C2ED-54A4-480D-B5C8-65C0D62359B9}" type="datetime2">
               <a:rPr lang="en-US" smtClean="0"/>
               <a:pPr/>
-              <a:t>Tuesday, February 22, 2022</a:t>
+              <a:t>Tuesday, March 1, 2022</a:t>
             </a:fld>
             <a:endParaRPr lang="en-US" dirty="0"/>
           </a:p>
@@ -3625,7 +3624,7 @@
             <a:fld id="{8256C2ED-54A4-480D-B5C8-65C0D62359B9}" type="datetime2">
               <a:rPr lang="en-US" smtClean="0"/>
               <a:pPr/>
-              <a:t>Tuesday, February 22, 2022</a:t>
+              <a:t>Tuesday, March 1, 2022</a:t>
             </a:fld>
             <a:endParaRPr lang="en-US" dirty="0"/>
           </a:p>
@@ -3929,7 +3928,7 @@
             <a:fld id="{8256C2ED-54A4-480D-B5C8-65C0D62359B9}" type="datetime2">
               <a:rPr lang="en-US" smtClean="0"/>
               <a:pPr/>
-              <a:t>Tuesday, February 22, 2022</a:t>
+              <a:t>Tuesday, March 1, 2022</a:t>
             </a:fld>
             <a:endParaRPr lang="en-US" dirty="0"/>
           </a:p>
@@ -4378,7 +4377,7 @@
             <a:fld id="{8256C2ED-54A4-480D-B5C8-65C0D62359B9}" type="datetime2">
               <a:rPr lang="en-US" smtClean="0"/>
               <a:pPr/>
-              <a:t>Tuesday, February 22, 2022</a:t>
+              <a:t>Tuesday, March 1, 2022</a:t>
             </a:fld>
             <a:endParaRPr lang="en-US" dirty="0"/>
           </a:p>
@@ -4503,7 +4502,7 @@
             <a:fld id="{8256C2ED-54A4-480D-B5C8-65C0D62359B9}" type="datetime2">
               <a:rPr lang="en-US" smtClean="0"/>
               <a:pPr/>
-              <a:t>Tuesday, February 22, 2022</a:t>
+              <a:t>Tuesday, March 1, 2022</a:t>
             </a:fld>
             <a:endParaRPr lang="en-US" dirty="0"/>
           </a:p>
@@ -4605,7 +4604,7 @@
             <a:fld id="{8256C2ED-54A4-480D-B5C8-65C0D62359B9}" type="datetime2">
               <a:rPr lang="en-US" smtClean="0"/>
               <a:pPr/>
-              <a:t>Tuesday, February 22, 2022</a:t>
+              <a:t>Tuesday, March 1, 2022</a:t>
             </a:fld>
             <a:endParaRPr lang="en-US" dirty="0"/>
           </a:p>
@@ -4895,7 +4894,7 @@
             <a:fld id="{8256C2ED-54A4-480D-B5C8-65C0D62359B9}" type="datetime2">
               <a:rPr lang="en-US" smtClean="0"/>
               <a:pPr/>
-              <a:t>Tuesday, February 22, 2022</a:t>
+              <a:t>Tuesday, March 1, 2022</a:t>
             </a:fld>
             <a:endParaRPr lang="en-US" dirty="0"/>
           </a:p>
@@ -5193,7 +5192,7 @@
             <a:fld id="{8256C2ED-54A4-480D-B5C8-65C0D62359B9}" type="datetime2">
               <a:rPr lang="en-US" smtClean="0"/>
               <a:pPr/>
-              <a:t>Tuesday, February 22, 2022</a:t>
+              <a:t>Tuesday, March 1, 2022</a:t>
             </a:fld>
             <a:endParaRPr lang="en-US" dirty="0"/>
           </a:p>
@@ -5730,7 +5729,7 @@
             <a:fld id="{8256C2ED-54A4-480D-B5C8-65C0D62359B9}" type="datetime2">
               <a:rPr lang="en-US" smtClean="0"/>
               <a:pPr/>
-              <a:t>Tuesday, February 22, 2022</a:t>
+              <a:t>Tuesday, March 1, 2022</a:t>
             </a:fld>
             <a:endParaRPr lang="en-US" dirty="0"/>
           </a:p>
@@ -8383,291 +8382,6 @@
 </p:sld>
 </file>
 
-<file path=ppt/slides/slide5.xml><?xml version="1.0" encoding="utf-8"?>
-<p:sld xmlns:a="http://schemas.openxmlformats.org/drawingml/2006/main" xmlns:r="http://schemas.openxmlformats.org/officeDocument/2006/relationships" xmlns:p="http://schemas.openxmlformats.org/presentationml/2006/main">
-  <p:cSld>
-    <p:bg>
-      <p:bgPr>
-        <a:blipFill rotWithShape="1">
-          <a:blip r:embed="rId2">
-            <a:duotone>
-              <a:schemeClr val="bg2">
-                <a:shade val="76000"/>
-                <a:satMod val="180000"/>
-              </a:schemeClr>
-              <a:schemeClr val="bg2">
-                <a:tint val="80000"/>
-                <a:satMod val="120000"/>
-                <a:lumMod val="180000"/>
-              </a:schemeClr>
-            </a:duotone>
-          </a:blip>
-          <a:stretch/>
-        </a:blipFill>
-        <a:effectLst/>
-      </p:bgPr>
-    </p:bg>
-    <p:spTree>
-      <p:nvGrpSpPr>
-        <p:cNvPr id="1" name=""/>
-        <p:cNvGrpSpPr/>
-        <p:nvPr/>
-      </p:nvGrpSpPr>
-      <p:grpSpPr>
-        <a:xfrm>
-          <a:off x="0" y="0"/>
-          <a:ext cx="0" cy="0"/>
-          <a:chOff x="0" y="0"/>
-          <a:chExt cx="0" cy="0"/>
-        </a:xfrm>
-      </p:grpSpPr>
-      <p:sp>
-        <p:nvSpPr>
-          <p:cNvPr id="2" name="Titel 1">
-            <a:extLst>
-              <a:ext uri="{FF2B5EF4-FFF2-40B4-BE49-F238E27FC236}">
-                <a16:creationId xmlns:a16="http://schemas.microsoft.com/office/drawing/2014/main" id="{A6C5A9D0-99CE-4962-91F4-9CB5F17E1EE5}"/>
-              </a:ext>
-            </a:extLst>
-          </p:cNvPr>
-          <p:cNvSpPr>
-            <a:spLocks noGrp="1"/>
-          </p:cNvSpPr>
-          <p:nvPr>
-            <p:ph type="title"/>
-          </p:nvPr>
-        </p:nvSpPr>
-        <p:spPr>
-          <a:xfrm>
-            <a:off x="1484312" y="685800"/>
-            <a:ext cx="5747778" cy="1752599"/>
-          </a:xfrm>
-        </p:spPr>
-        <p:txBody>
-          <a:bodyPr>
-            <a:normAutofit/>
-          </a:bodyPr>
-          <a:lstStyle/>
-          <a:p>
-            <a:r>
-              <a:rPr lang="en-GB">
-                <a:latin typeface="Arial" panose="020B0604020202020204" pitchFamily="34" charset="0"/>
-                <a:cs typeface="Arial" panose="020B0604020202020204" pitchFamily="34" charset="0"/>
-              </a:rPr>
-              <a:t>Optie 2: line follower</a:t>
-            </a:r>
-            <a:endParaRPr lang="en-GB" dirty="0">
-              <a:latin typeface="Arial" panose="020B0604020202020204" pitchFamily="34" charset="0"/>
-              <a:cs typeface="Arial" panose="020B0604020202020204" pitchFamily="34" charset="0"/>
-            </a:endParaRPr>
-          </a:p>
-        </p:txBody>
-      </p:sp>
-      <p:sp>
-        <p:nvSpPr>
-          <p:cNvPr id="3" name="Tijdelijke aanduiding voor inhoud 2">
-            <a:extLst>
-              <a:ext uri="{FF2B5EF4-FFF2-40B4-BE49-F238E27FC236}">
-                <a16:creationId xmlns:a16="http://schemas.microsoft.com/office/drawing/2014/main" id="{951BC1BB-1FCB-4E73-9BCE-6AF84D52D2A4}"/>
-              </a:ext>
-            </a:extLst>
-          </p:cNvPr>
-          <p:cNvSpPr>
-            <a:spLocks noGrp="1"/>
-          </p:cNvSpPr>
-          <p:nvPr>
-            <p:ph idx="1"/>
-          </p:nvPr>
-        </p:nvSpPr>
-        <p:spPr>
-          <a:xfrm>
-            <a:off x="1484311" y="2666999"/>
-            <a:ext cx="5747778" cy="3124201"/>
-          </a:xfrm>
-        </p:spPr>
-        <p:txBody>
-          <a:bodyPr>
-            <a:normAutofit/>
-          </a:bodyPr>
-          <a:lstStyle/>
-          <a:p>
-            <a:r>
-              <a:rPr lang="en-GB" dirty="0">
-                <a:latin typeface="Arial" panose="020B0604020202020204" pitchFamily="34" charset="0"/>
-                <a:cs typeface="Arial" panose="020B0604020202020204" pitchFamily="34" charset="0"/>
-              </a:rPr>
-              <a:t>IR Sensor</a:t>
-            </a:r>
-          </a:p>
-          <a:p>
-            <a:endParaRPr lang="en-GB" dirty="0">
-              <a:latin typeface="Arial" panose="020B0604020202020204" pitchFamily="34" charset="0"/>
-              <a:cs typeface="Arial" panose="020B0604020202020204" pitchFamily="34" charset="0"/>
-            </a:endParaRPr>
-          </a:p>
-          <a:p>
-            <a:r>
-              <a:rPr lang="nl-BE" dirty="0">
-                <a:latin typeface="Arial" panose="020B0604020202020204" pitchFamily="34" charset="0"/>
-                <a:cs typeface="Arial" panose="020B0604020202020204" pitchFamily="34" charset="0"/>
-              </a:rPr>
-              <a:t>Wielen worden aangestuurd door de output van de IR sensors</a:t>
-            </a:r>
-          </a:p>
-        </p:txBody>
-      </p:sp>
-      <p:pic>
-        <p:nvPicPr>
-          <p:cNvPr id="2052" name="Picture 4" descr="10 Pairs Super-heldere 5mm IR LED en IR Ontvanger Diode-940nm voor Arduino  Diy - AliExpress Electronic Components &amp;amp; Supplies">
-            <a:extLst>
-              <a:ext uri="{FF2B5EF4-FFF2-40B4-BE49-F238E27FC236}">
-                <a16:creationId xmlns:a16="http://schemas.microsoft.com/office/drawing/2014/main" id="{703C4831-C994-43FC-846E-2AC18DFD6A62}"/>
-              </a:ext>
-            </a:extLst>
-          </p:cNvPr>
-          <p:cNvPicPr>
-            <a:picLocks noChangeAspect="1" noChangeArrowheads="1"/>
-          </p:cNvPicPr>
-          <p:nvPr/>
-        </p:nvPicPr>
-        <p:blipFill rotWithShape="1">
-          <a:blip r:embed="rId3">
-            <a:extLst>
-              <a:ext uri="{28A0092B-C50C-407E-A947-70E740481C1C}">
-                <a14:useLocalDpi xmlns:a14="http://schemas.microsoft.com/office/drawing/2010/main" val="0"/>
-              </a:ext>
-            </a:extLst>
-          </a:blip>
-          <a:stretch/>
-        </p:blipFill>
-        <p:spPr bwMode="auto">
-          <a:xfrm>
-            <a:off x="8267961" y="645285"/>
-            <a:ext cx="2520043" cy="2520043"/>
-          </a:xfrm>
-          <a:prstGeom prst="roundRect">
-            <a:avLst>
-              <a:gd name="adj" fmla="val 4380"/>
-            </a:avLst>
-          </a:prstGeom>
-          <a:noFill/>
-          <a:ln w="38100">
-            <a:gradFill flip="none" rotWithShape="1">
-              <a:gsLst>
-                <a:gs pos="0">
-                  <a:schemeClr val="bg2"/>
-                </a:gs>
-                <a:gs pos="100000">
-                  <a:schemeClr val="bg2">
-                    <a:lumMod val="75000"/>
-                  </a:schemeClr>
-                </a:gs>
-              </a:gsLst>
-              <a:lin ang="5400000" scaled="0"/>
-              <a:tileRect/>
-            </a:gradFill>
-          </a:ln>
-          <a:effectLst>
-            <a:innerShdw blurRad="57150" dist="38100" dir="14460000">
-              <a:srgbClr val="000000">
-                <a:alpha val="70000"/>
-              </a:srgbClr>
-            </a:innerShdw>
-          </a:effectLst>
-          <a:extLst>
-            <a:ext uri="{909E8E84-426E-40DD-AFC4-6F175D3DCCD1}">
-              <a14:hiddenFill xmlns:a14="http://schemas.microsoft.com/office/drawing/2010/main">
-                <a:solidFill>
-                  <a:srgbClr val="FFFFFF"/>
-                </a:solidFill>
-              </a14:hiddenFill>
-            </a:ext>
-          </a:extLst>
-        </p:spPr>
-      </p:pic>
-      <p:pic>
-        <p:nvPicPr>
-          <p:cNvPr id="2050" name="Picture 2" descr="IR Sensor Circuit Diagram">
-            <a:extLst>
-              <a:ext uri="{FF2B5EF4-FFF2-40B4-BE49-F238E27FC236}">
-                <a16:creationId xmlns:a16="http://schemas.microsoft.com/office/drawing/2014/main" id="{92FFC7EA-1D59-4B9A-BE09-91D86C027C11}"/>
-              </a:ext>
-            </a:extLst>
-          </p:cNvPr>
-          <p:cNvPicPr>
-            <a:picLocks noChangeAspect="1" noChangeArrowheads="1"/>
-          </p:cNvPicPr>
-          <p:nvPr/>
-        </p:nvPicPr>
-        <p:blipFill rotWithShape="1">
-          <a:blip r:embed="rId4">
-            <a:extLst>
-              <a:ext uri="{28A0092B-C50C-407E-A947-70E740481C1C}">
-                <a14:useLocalDpi xmlns:a14="http://schemas.microsoft.com/office/drawing/2010/main" val="0"/>
-              </a:ext>
-            </a:extLst>
-          </a:blip>
-          <a:srcRect l="2431" t="1600" r="2922" b="3561"/>
-          <a:stretch/>
-        </p:blipFill>
-        <p:spPr bwMode="auto">
-          <a:xfrm>
-            <a:off x="7552943" y="3524152"/>
-            <a:ext cx="3950079" cy="2256112"/>
-          </a:xfrm>
-          <a:prstGeom prst="roundRect">
-            <a:avLst>
-              <a:gd name="adj" fmla="val 4380"/>
-            </a:avLst>
-          </a:prstGeom>
-          <a:noFill/>
-          <a:ln w="38100">
-            <a:gradFill flip="none" rotWithShape="1">
-              <a:gsLst>
-                <a:gs pos="0">
-                  <a:schemeClr val="bg2"/>
-                </a:gs>
-                <a:gs pos="100000">
-                  <a:schemeClr val="bg2">
-                    <a:lumMod val="75000"/>
-                  </a:schemeClr>
-                </a:gs>
-              </a:gsLst>
-              <a:lin ang="5400000" scaled="0"/>
-              <a:tileRect/>
-            </a:gradFill>
-          </a:ln>
-          <a:effectLst>
-            <a:innerShdw blurRad="57150" dist="38100" dir="14460000">
-              <a:srgbClr val="000000">
-                <a:alpha val="70000"/>
-              </a:srgbClr>
-            </a:innerShdw>
-          </a:effectLst>
-          <a:extLst>
-            <a:ext uri="{909E8E84-426E-40DD-AFC4-6F175D3DCCD1}">
-              <a14:hiddenFill xmlns:a14="http://schemas.microsoft.com/office/drawing/2010/main">
-                <a:solidFill>
-                  <a:srgbClr val="FFFFFF"/>
-                </a:solidFill>
-              </a14:hiddenFill>
-            </a:ext>
-          </a:extLst>
-        </p:spPr>
-      </p:pic>
-    </p:spTree>
-    <p:extLst>
-      <p:ext uri="{BB962C8B-B14F-4D97-AF65-F5344CB8AC3E}">
-        <p14:creationId xmlns:p14="http://schemas.microsoft.com/office/powerpoint/2010/main" val="2581011581"/>
-      </p:ext>
-    </p:extLst>
-  </p:cSld>
-  <p:clrMapOvr>
-    <a:masterClrMapping/>
-  </p:clrMapOvr>
-</p:sld>
-</file>
-
 <file path=ppt/theme/theme1.xml><?xml version="1.0" encoding="utf-8"?>
 <a:theme xmlns:a="http://schemas.openxmlformats.org/drawingml/2006/main" name="Parallax">
   <a:themeElements>
